--- a/thesis/abs/BaoCao_110122127.pptx
+++ b/thesis/abs/BaoCao_110122127.pptx
@@ -18,8 +18,8 @@
     <p:sldId id="301" r:id="rId9"/>
     <p:sldId id="302" r:id="rId10"/>
     <p:sldId id="274" r:id="rId11"/>
-    <p:sldId id="298" r:id="rId12"/>
-    <p:sldId id="299" r:id="rId13"/>
+    <p:sldId id="299" r:id="rId12"/>
+    <p:sldId id="298" r:id="rId13"/>
     <p:sldId id="303" r:id="rId14"/>
   </p:sldIdLst>
   <p:sldSz cx="9144000" cy="5143500" type="screen16x9"/>
@@ -942,6 +942,133 @@
         <p:cNvPr id="1" name="Shape 259">
           <a:extLst>
             <a:ext uri="{FF2B5EF4-FFF2-40B4-BE49-F238E27FC236}">
+              <a16:creationId xmlns:a16="http://schemas.microsoft.com/office/drawing/2014/main" id="{02A67FB7-37E8-29F6-1EA3-5DB889F6CDD7}"/>
+            </a:ext>
+          </a:extLst>
+        </p:cNvPr>
+        <p:cNvGrpSpPr/>
+        <p:nvPr/>
+      </p:nvGrpSpPr>
+      <p:grpSpPr>
+        <a:xfrm>
+          <a:off x="0" y="0"/>
+          <a:ext cx="0" cy="0"/>
+          <a:chOff x="0" y="0"/>
+          <a:chExt cx="0" cy="0"/>
+        </a:xfrm>
+      </p:grpSpPr>
+      <p:sp>
+        <p:nvSpPr>
+          <p:cNvPr id="260" name="Google Shape;260;g24459266da8_2_0:notes">
+            <a:extLst>
+              <a:ext uri="{FF2B5EF4-FFF2-40B4-BE49-F238E27FC236}">
+                <a16:creationId xmlns:a16="http://schemas.microsoft.com/office/drawing/2014/main" id="{13DA2C34-BFB4-42D6-A258-94A9125B831C}"/>
+              </a:ext>
+            </a:extLst>
+          </p:cNvPr>
+          <p:cNvSpPr>
+            <a:spLocks noGrp="1" noRot="1" noChangeAspect="1"/>
+          </p:cNvSpPr>
+          <p:nvPr>
+            <p:ph type="sldImg" idx="2"/>
+          </p:nvPr>
+        </p:nvSpPr>
+        <p:spPr>
+          <a:xfrm>
+            <a:off x="381000" y="685800"/>
+            <a:ext cx="6096000" cy="3429000"/>
+          </a:xfrm>
+          <a:custGeom>
+            <a:avLst/>
+            <a:gdLst/>
+            <a:ahLst/>
+            <a:cxnLst/>
+            <a:rect l="l" t="t" r="r" b="b"/>
+            <a:pathLst>
+              <a:path w="120000" h="120000" extrusionOk="0">
+                <a:moveTo>
+                  <a:pt x="0" y="0"/>
+                </a:moveTo>
+                <a:lnTo>
+                  <a:pt x="120000" y="0"/>
+                </a:lnTo>
+                <a:lnTo>
+                  <a:pt x="120000" y="120000"/>
+                </a:lnTo>
+                <a:lnTo>
+                  <a:pt x="0" y="120000"/>
+                </a:lnTo>
+                <a:close/>
+              </a:path>
+            </a:pathLst>
+          </a:custGeom>
+        </p:spPr>
+      </p:sp>
+      <p:sp>
+        <p:nvSpPr>
+          <p:cNvPr id="261" name="Google Shape;261;g24459266da8_2_0:notes">
+            <a:extLst>
+              <a:ext uri="{FF2B5EF4-FFF2-40B4-BE49-F238E27FC236}">
+                <a16:creationId xmlns:a16="http://schemas.microsoft.com/office/drawing/2014/main" id="{581E4A71-313C-AF7B-964C-EFA396D892C2}"/>
+              </a:ext>
+            </a:extLst>
+          </p:cNvPr>
+          <p:cNvSpPr txBox="1">
+            <a:spLocks noGrp="1"/>
+          </p:cNvSpPr>
+          <p:nvPr>
+            <p:ph type="body" idx="1"/>
+          </p:nvPr>
+        </p:nvSpPr>
+        <p:spPr>
+          <a:xfrm>
+            <a:off x="685800" y="4343400"/>
+            <a:ext cx="5486400" cy="4114800"/>
+          </a:xfrm>
+          <a:prstGeom prst="rect">
+            <a:avLst/>
+          </a:prstGeom>
+        </p:spPr>
+        <p:txBody>
+          <a:bodyPr spcFirstLastPara="1" wrap="square" lIns="91425" tIns="91425" rIns="91425" bIns="91425" anchor="t" anchorCtr="0">
+            <a:noAutofit/>
+          </a:bodyPr>
+          <a:lstStyle/>
+          <a:p>
+            <a:pPr marL="0" lvl="0" indent="0" algn="l" rtl="0">
+              <a:spcBef>
+                <a:spcPts val="0"/>
+              </a:spcBef>
+              <a:spcAft>
+                <a:spcPts val="0"/>
+              </a:spcAft>
+              <a:buNone/>
+            </a:pPr>
+            <a:endParaRPr/>
+          </a:p>
+        </p:txBody>
+      </p:sp>
+    </p:spTree>
+    <p:extLst>
+      <p:ext uri="{BB962C8B-B14F-4D97-AF65-F5344CB8AC3E}">
+        <p14:creationId xmlns:p14="http://schemas.microsoft.com/office/powerpoint/2010/main" val="1873579250"/>
+      </p:ext>
+    </p:extLst>
+  </p:cSld>
+  <p:clrMapOvr>
+    <a:masterClrMapping/>
+  </p:clrMapOvr>
+</p:notes>
+</file>
+
+<file path=ppt/notesSlides/notesSlide12.xml><?xml version="1.0" encoding="utf-8"?>
+<p:notes xmlns:a="http://schemas.openxmlformats.org/drawingml/2006/main" xmlns:r="http://schemas.openxmlformats.org/officeDocument/2006/relationships" xmlns:p="http://schemas.openxmlformats.org/presentationml/2006/main" showMasterSp="0" showMasterPhAnim="0">
+  <p:cSld>
+    <p:spTree>
+      <p:nvGrpSpPr>
+        <p:cNvPr id="1" name="Shape 259">
+          <a:extLst>
+            <a:ext uri="{FF2B5EF4-FFF2-40B4-BE49-F238E27FC236}">
               <a16:creationId xmlns:a16="http://schemas.microsoft.com/office/drawing/2014/main" id="{E67FF60C-9629-C3D4-537C-F30F296EC47E}"/>
             </a:ext>
           </a:extLst>
@@ -1052,133 +1179,6 @@
     <p:extLst>
       <p:ext uri="{BB962C8B-B14F-4D97-AF65-F5344CB8AC3E}">
         <p14:creationId xmlns:p14="http://schemas.microsoft.com/office/powerpoint/2010/main" val="3790860002"/>
-      </p:ext>
-    </p:extLst>
-  </p:cSld>
-  <p:clrMapOvr>
-    <a:masterClrMapping/>
-  </p:clrMapOvr>
-</p:notes>
-</file>
-
-<file path=ppt/notesSlides/notesSlide12.xml><?xml version="1.0" encoding="utf-8"?>
-<p:notes xmlns:a="http://schemas.openxmlformats.org/drawingml/2006/main" xmlns:r="http://schemas.openxmlformats.org/officeDocument/2006/relationships" xmlns:p="http://schemas.openxmlformats.org/presentationml/2006/main" showMasterSp="0" showMasterPhAnim="0">
-  <p:cSld>
-    <p:spTree>
-      <p:nvGrpSpPr>
-        <p:cNvPr id="1" name="Shape 259">
-          <a:extLst>
-            <a:ext uri="{FF2B5EF4-FFF2-40B4-BE49-F238E27FC236}">
-              <a16:creationId xmlns:a16="http://schemas.microsoft.com/office/drawing/2014/main" id="{02A67FB7-37E8-29F6-1EA3-5DB889F6CDD7}"/>
-            </a:ext>
-          </a:extLst>
-        </p:cNvPr>
-        <p:cNvGrpSpPr/>
-        <p:nvPr/>
-      </p:nvGrpSpPr>
-      <p:grpSpPr>
-        <a:xfrm>
-          <a:off x="0" y="0"/>
-          <a:ext cx="0" cy="0"/>
-          <a:chOff x="0" y="0"/>
-          <a:chExt cx="0" cy="0"/>
-        </a:xfrm>
-      </p:grpSpPr>
-      <p:sp>
-        <p:nvSpPr>
-          <p:cNvPr id="260" name="Google Shape;260;g24459266da8_2_0:notes">
-            <a:extLst>
-              <a:ext uri="{FF2B5EF4-FFF2-40B4-BE49-F238E27FC236}">
-                <a16:creationId xmlns:a16="http://schemas.microsoft.com/office/drawing/2014/main" id="{13DA2C34-BFB4-42D6-A258-94A9125B831C}"/>
-              </a:ext>
-            </a:extLst>
-          </p:cNvPr>
-          <p:cNvSpPr>
-            <a:spLocks noGrp="1" noRot="1" noChangeAspect="1"/>
-          </p:cNvSpPr>
-          <p:nvPr>
-            <p:ph type="sldImg" idx="2"/>
-          </p:nvPr>
-        </p:nvSpPr>
-        <p:spPr>
-          <a:xfrm>
-            <a:off x="381000" y="685800"/>
-            <a:ext cx="6096000" cy="3429000"/>
-          </a:xfrm>
-          <a:custGeom>
-            <a:avLst/>
-            <a:gdLst/>
-            <a:ahLst/>
-            <a:cxnLst/>
-            <a:rect l="l" t="t" r="r" b="b"/>
-            <a:pathLst>
-              <a:path w="120000" h="120000" extrusionOk="0">
-                <a:moveTo>
-                  <a:pt x="0" y="0"/>
-                </a:moveTo>
-                <a:lnTo>
-                  <a:pt x="120000" y="0"/>
-                </a:lnTo>
-                <a:lnTo>
-                  <a:pt x="120000" y="120000"/>
-                </a:lnTo>
-                <a:lnTo>
-                  <a:pt x="0" y="120000"/>
-                </a:lnTo>
-                <a:close/>
-              </a:path>
-            </a:pathLst>
-          </a:custGeom>
-        </p:spPr>
-      </p:sp>
-      <p:sp>
-        <p:nvSpPr>
-          <p:cNvPr id="261" name="Google Shape;261;g24459266da8_2_0:notes">
-            <a:extLst>
-              <a:ext uri="{FF2B5EF4-FFF2-40B4-BE49-F238E27FC236}">
-                <a16:creationId xmlns:a16="http://schemas.microsoft.com/office/drawing/2014/main" id="{581E4A71-313C-AF7B-964C-EFA396D892C2}"/>
-              </a:ext>
-            </a:extLst>
-          </p:cNvPr>
-          <p:cNvSpPr txBox="1">
-            <a:spLocks noGrp="1"/>
-          </p:cNvSpPr>
-          <p:nvPr>
-            <p:ph type="body" idx="1"/>
-          </p:nvPr>
-        </p:nvSpPr>
-        <p:spPr>
-          <a:xfrm>
-            <a:off x="685800" y="4343400"/>
-            <a:ext cx="5486400" cy="4114800"/>
-          </a:xfrm>
-          <a:prstGeom prst="rect">
-            <a:avLst/>
-          </a:prstGeom>
-        </p:spPr>
-        <p:txBody>
-          <a:bodyPr spcFirstLastPara="1" wrap="square" lIns="91425" tIns="91425" rIns="91425" bIns="91425" anchor="t" anchorCtr="0">
-            <a:noAutofit/>
-          </a:bodyPr>
-          <a:lstStyle/>
-          <a:p>
-            <a:pPr marL="0" lvl="0" indent="0" algn="l" rtl="0">
-              <a:spcBef>
-                <a:spcPts val="0"/>
-              </a:spcBef>
-              <a:spcAft>
-                <a:spcPts val="0"/>
-              </a:spcAft>
-              <a:buNone/>
-            </a:pPr>
-            <a:endParaRPr/>
-          </a:p>
-        </p:txBody>
-      </p:sp>
-    </p:spTree>
-    <p:extLst>
-      <p:ext uri="{BB962C8B-B14F-4D97-AF65-F5344CB8AC3E}">
-        <p14:creationId xmlns:p14="http://schemas.microsoft.com/office/powerpoint/2010/main" val="1873579250"/>
       </p:ext>
     </p:extLst>
   </p:cSld>
@@ -10571,7 +10571,7 @@
         </p:nvSpPr>
         <p:spPr>
           <a:xfrm>
-            <a:off x="715100" y="535000"/>
+            <a:off x="498533" y="962994"/>
             <a:ext cx="7695038" cy="1543500"/>
           </a:xfrm>
           <a:prstGeom prst="rect">
@@ -15570,8 +15570,8 @@
         </p:nvSpPr>
         <p:spPr>
           <a:xfrm>
-            <a:off x="715100" y="2469088"/>
-            <a:ext cx="4017896" cy="640800"/>
+            <a:off x="549978" y="2412330"/>
+            <a:ext cx="4431536" cy="640800"/>
           </a:xfrm>
           <a:prstGeom prst="rect">
             <a:avLst/>
@@ -15593,10 +15593,14 @@
               <a:buNone/>
             </a:pPr>
             <a:r>
-              <a:rPr lang="vi-VN" sz="1400"/>
+              <a:rPr lang="vi-VN" sz="1400">
+                <a:latin typeface="Lexend" panose="020B0604020202020204" charset="0"/>
+              </a:rPr>
               <a:t>Giảng viên hướng dẫn: ThS. Nguyễn Mộng Hiền</a:t>
             </a:r>
-            <a:endParaRPr sz="1400"/>
+            <a:endParaRPr sz="1400">
+              <a:latin typeface="Lexend" panose="020B0604020202020204" charset="0"/>
+            </a:endParaRPr>
           </a:p>
         </p:txBody>
       </p:sp>
@@ -15616,8 +15620,8 @@
         </p:nvSpPr>
         <p:spPr>
           <a:xfrm>
-            <a:off x="679278" y="3096864"/>
-            <a:ext cx="4017896" cy="640800"/>
+            <a:off x="543443" y="3224842"/>
+            <a:ext cx="4377156" cy="640800"/>
           </a:xfrm>
           <a:prstGeom prst="rect">
             <a:avLst/>
@@ -15881,8 +15885,109 @@
           <a:p>
             <a:pPr marL="0" indent="0"/>
             <a:r>
-              <a:rPr lang="vi-VN" sz="1400"/>
+              <a:rPr lang="vi-VN" sz="1400">
+                <a:latin typeface="Lexend" panose="020B0604020202020204" charset="0"/>
+              </a:rPr>
               <a:t>Sinh viên thực hiện: Trương Nguyễn Tố Nguyên</a:t>
+            </a:r>
+          </a:p>
+          <a:p>
+            <a:pPr marL="0" indent="0"/>
+            <a:r>
+              <a:rPr lang="vi-VN" sz="1400">
+                <a:latin typeface="Lexend" panose="020B0604020202020204" charset="0"/>
+              </a:rPr>
+              <a:t>Mã số sinh viên:       110122127</a:t>
+            </a:r>
+          </a:p>
+          <a:p>
+            <a:pPr marL="0" indent="0"/>
+            <a:r>
+              <a:rPr lang="vi-VN" sz="1400">
+                <a:latin typeface="Lexend" panose="020B0604020202020204" charset="0"/>
+              </a:rPr>
+              <a:t>Lớp:	                DA22TTB</a:t>
+            </a:r>
+          </a:p>
+        </p:txBody>
+      </p:sp>
+      <p:pic>
+        <p:nvPicPr>
+          <p:cNvPr id="6" name="Picture 5">
+            <a:extLst>
+              <a:ext uri="{FF2B5EF4-FFF2-40B4-BE49-F238E27FC236}">
+                <a16:creationId xmlns:a16="http://schemas.microsoft.com/office/drawing/2014/main" id="{6FD2C90E-C310-6F16-0AD5-5AB98BEFF12E}"/>
+              </a:ext>
+            </a:extLst>
+          </p:cNvPr>
+          <p:cNvPicPr>
+            <a:picLocks noChangeAspect="1"/>
+          </p:cNvPicPr>
+          <p:nvPr/>
+        </p:nvPicPr>
+        <p:blipFill>
+          <a:blip r:embed="rId3"/>
+          <a:stretch>
+            <a:fillRect/>
+          </a:stretch>
+        </p:blipFill>
+        <p:spPr>
+          <a:xfrm rot="10800000" flipH="1" flipV="1">
+            <a:off x="666828" y="395889"/>
+            <a:ext cx="607336" cy="607336"/>
+          </a:xfrm>
+          <a:prstGeom prst="rect">
+            <a:avLst/>
+          </a:prstGeom>
+        </p:spPr>
+      </p:pic>
+      <p:sp>
+        <p:nvSpPr>
+          <p:cNvPr id="7" name="TextBox 6">
+            <a:extLst>
+              <a:ext uri="{FF2B5EF4-FFF2-40B4-BE49-F238E27FC236}">
+                <a16:creationId xmlns:a16="http://schemas.microsoft.com/office/drawing/2014/main" id="{7C4ECAE6-D65B-F5D5-B5B4-70C76481949A}"/>
+              </a:ext>
+            </a:extLst>
+          </p:cNvPr>
+          <p:cNvSpPr txBox="1"/>
+          <p:nvPr/>
+        </p:nvSpPr>
+        <p:spPr>
+          <a:xfrm>
+            <a:off x="1379095" y="419041"/>
+            <a:ext cx="5701699" cy="523220"/>
+          </a:xfrm>
+          <a:prstGeom prst="rect">
+            <a:avLst/>
+          </a:prstGeom>
+          <a:noFill/>
+        </p:spPr>
+        <p:txBody>
+          <a:bodyPr wrap="square" rtlCol="0">
+            <a:spAutoFit/>
+          </a:bodyPr>
+          <a:lstStyle/>
+          <a:p>
+            <a:r>
+              <a:rPr lang="vi-VN">
+                <a:solidFill>
+                  <a:srgbClr val="3B406B"/>
+                </a:solidFill>
+                <a:latin typeface="Lexend" panose="020B0604020202020204" charset="0"/>
+              </a:rPr>
+              <a:t>TRƯỜNG KỸ THUẬT VÀ CÔNG NGHỆ</a:t>
+            </a:r>
+          </a:p>
+          <a:p>
+            <a:r>
+              <a:rPr lang="vi-VN">
+                <a:solidFill>
+                  <a:srgbClr val="3B406B"/>
+                </a:solidFill>
+                <a:latin typeface="Lexend" panose="020B0604020202020204" charset="0"/>
+              </a:rPr>
+              <a:t>KHOA CÔNG NGHỆ THÔNG TIN</a:t>
             </a:r>
           </a:p>
         </p:txBody>
@@ -15892,6 +15997,18 @@
   <p:clrMapOvr>
     <a:masterClrMapping/>
   </p:clrMapOvr>
+  <mc:AlternateContent xmlns:mc="http://schemas.openxmlformats.org/markup-compatibility/2006">
+    <mc:Choice xmlns:p159="http://schemas.microsoft.com/office/powerpoint/2015/09/main" Requires="p159">
+      <p:transition xmlns:p14="http://schemas.microsoft.com/office/powerpoint/2010/main" spd="slow" p14:dur="2000">
+        <p159:morph option="byObject"/>
+      </p:transition>
+    </mc:Choice>
+    <mc:Fallback>
+      <p:transition spd="slow">
+        <p:fade/>
+      </p:transition>
+    </mc:Fallback>
+  </mc:AlternateContent>
 </p:sld>
 </file>
 
@@ -16019,10 +16136,208 @@
   <p:clrMapOvr>
     <a:masterClrMapping/>
   </p:clrMapOvr>
+  <mc:AlternateContent xmlns:mc="http://schemas.openxmlformats.org/markup-compatibility/2006">
+    <mc:Choice xmlns:p159="http://schemas.microsoft.com/office/powerpoint/2015/09/main" Requires="p159">
+      <p:transition xmlns:p14="http://schemas.microsoft.com/office/powerpoint/2010/main" spd="slow" p14:dur="2000">
+        <p159:morph option="byObject"/>
+      </p:transition>
+    </mc:Choice>
+    <mc:Fallback>
+      <p:transition spd="slow">
+        <p:fade/>
+      </p:transition>
+    </mc:Fallback>
+  </mc:AlternateContent>
 </p:sld>
 </file>
 
 <file path=ppt/slides/slide11.xml><?xml version="1.0" encoding="utf-8"?>
+<p:sld xmlns:a="http://schemas.openxmlformats.org/drawingml/2006/main" xmlns:r="http://schemas.openxmlformats.org/officeDocument/2006/relationships" xmlns:p="http://schemas.openxmlformats.org/presentationml/2006/main">
+  <p:cSld>
+    <p:spTree>
+      <p:nvGrpSpPr>
+        <p:cNvPr id="1" name="Shape 262">
+          <a:extLst>
+            <a:ext uri="{FF2B5EF4-FFF2-40B4-BE49-F238E27FC236}">
+              <a16:creationId xmlns:a16="http://schemas.microsoft.com/office/drawing/2014/main" id="{A487373A-A113-197F-3189-A642C9B338D9}"/>
+            </a:ext>
+          </a:extLst>
+        </p:cNvPr>
+        <p:cNvGrpSpPr/>
+        <p:nvPr/>
+      </p:nvGrpSpPr>
+      <p:grpSpPr>
+        <a:xfrm>
+          <a:off x="0" y="0"/>
+          <a:ext cx="0" cy="0"/>
+          <a:chOff x="0" y="0"/>
+          <a:chExt cx="0" cy="0"/>
+        </a:xfrm>
+      </p:grpSpPr>
+      <p:sp>
+        <p:nvSpPr>
+          <p:cNvPr id="264" name="Google Shape;264;p31">
+            <a:extLst>
+              <a:ext uri="{FF2B5EF4-FFF2-40B4-BE49-F238E27FC236}">
+                <a16:creationId xmlns:a16="http://schemas.microsoft.com/office/drawing/2014/main" id="{A7E1E19E-09F0-B6E6-51D6-939E525912E7}"/>
+              </a:ext>
+            </a:extLst>
+          </p:cNvPr>
+          <p:cNvSpPr txBox="1">
+            <a:spLocks noGrp="1"/>
+          </p:cNvSpPr>
+          <p:nvPr>
+            <p:ph type="title"/>
+          </p:nvPr>
+        </p:nvSpPr>
+        <p:spPr>
+          <a:xfrm>
+            <a:off x="674928" y="438729"/>
+            <a:ext cx="5838605" cy="1087200"/>
+          </a:xfrm>
+          <a:prstGeom prst="rect">
+            <a:avLst/>
+          </a:prstGeom>
+        </p:spPr>
+        <p:txBody>
+          <a:bodyPr spcFirstLastPara="1" wrap="square" lIns="91425" tIns="91425" rIns="91425" bIns="91425" anchor="t" anchorCtr="0">
+            <a:noAutofit/>
+          </a:bodyPr>
+          <a:lstStyle/>
+          <a:p>
+            <a:pPr lvl="0"/>
+            <a:r>
+              <a:rPr lang="vi-VN"/>
+              <a:t>Kết luận và hướng phát triển</a:t>
+            </a:r>
+            <a:endParaRPr/>
+          </a:p>
+        </p:txBody>
+      </p:sp>
+      <p:sp>
+        <p:nvSpPr>
+          <p:cNvPr id="265" name="Google Shape;265;p31">
+            <a:extLst>
+              <a:ext uri="{FF2B5EF4-FFF2-40B4-BE49-F238E27FC236}">
+                <a16:creationId xmlns:a16="http://schemas.microsoft.com/office/drawing/2014/main" id="{60C24BFF-C698-55E2-A41C-883FED490DD2}"/>
+              </a:ext>
+            </a:extLst>
+          </p:cNvPr>
+          <p:cNvSpPr txBox="1">
+            <a:spLocks noGrp="1"/>
+          </p:cNvSpPr>
+          <p:nvPr>
+            <p:ph type="body" idx="1"/>
+          </p:nvPr>
+        </p:nvSpPr>
+        <p:spPr>
+          <a:xfrm>
+            <a:off x="925450" y="1525929"/>
+            <a:ext cx="7441936" cy="2398800"/>
+          </a:xfrm>
+          <a:prstGeom prst="rect">
+            <a:avLst/>
+          </a:prstGeom>
+        </p:spPr>
+        <p:txBody>
+          <a:bodyPr spcFirstLastPara="1" wrap="square" lIns="91425" tIns="91425" rIns="91425" bIns="91425" anchor="t" anchorCtr="0">
+            <a:noAutofit/>
+          </a:bodyPr>
+          <a:lstStyle/>
+          <a:p>
+            <a:pPr marL="0" lvl="0" indent="0">
+              <a:buNone/>
+            </a:pPr>
+            <a:r>
+              <a:rPr lang="vi-VN" sz="1600" b="1">
+                <a:solidFill>
+                  <a:schemeClr val="dk1"/>
+                </a:solidFill>
+                <a:latin typeface="Lexend" panose="020B0604020202020204" charset="0"/>
+              </a:rPr>
+              <a:t>Kết luận:</a:t>
+            </a:r>
+          </a:p>
+          <a:p>
+            <a:pPr lvl="0" indent="172800"/>
+            <a:r>
+              <a:rPr lang="vi-VN">
+                <a:solidFill>
+                  <a:srgbClr val="3B406B"/>
+                </a:solidFill>
+                <a:latin typeface="Lexend" panose="020B0604020202020204" charset="0"/>
+              </a:rPr>
+              <a:t>Triển khai thành công LeNet-5 và phiên bản cải tiến tích hợp các kỹ thuật hiện đại như Batch Normalization, Dropout và hàm kích hoạt ReLU.</a:t>
+            </a:r>
+          </a:p>
+          <a:p>
+            <a:pPr indent="172800"/>
+            <a:r>
+              <a:rPr lang="vi-VN">
+                <a:solidFill>
+                  <a:srgbClr val="3B406B"/>
+                </a:solidFill>
+                <a:latin typeface="Lexend" panose="020B0604020202020204" charset="0"/>
+              </a:rPr>
+              <a:t>Mô hình cải tiến cho thấy sự vượt trội về tốc độ hội tụ, đạt độ chính xác trên 85% chỉ sau 3 epoch, nhanh hơn gấp 3 lần so với mô hình gốc.</a:t>
+            </a:r>
+          </a:p>
+          <a:p>
+            <a:pPr indent="172800"/>
+            <a:r>
+              <a:rPr lang="vi-VN">
+                <a:solidFill>
+                  <a:srgbClr val="3B406B"/>
+                </a:solidFill>
+                <a:latin typeface="Lexend" panose="020B0604020202020204" charset="0"/>
+              </a:rPr>
+              <a:t>Mô hình cải tiến đạt các chỉ số cao với Accuracy (87.97%), Precision (88.22%) và F1-Score (87.91%). Đặc biệt là khả năng phát hiện bệnh được cải thiện rõ rệt khi số ca bỏ sót bệnh (False Negative) giảm từ 204 xuống còn 134 ca.</a:t>
+            </a:r>
+          </a:p>
+          <a:p>
+            <a:pPr indent="172800"/>
+            <a:r>
+              <a:rPr lang="vi-VN">
+                <a:solidFill>
+                  <a:srgbClr val="3B406B"/>
+                </a:solidFill>
+                <a:latin typeface="Lexend" panose="020B0604020202020204" charset="0"/>
+              </a:rPr>
+              <a:t>Với dung lượng mô hình cực nhẹ (0.40 MB) và khả năng vận hành ổn định trên CPU, giải pháp này hoàn toàn khả thi để triển khai trên các thiết bị có cấu hình thấp tại các cơ sở y tế lưu động hoặc vùng sâu vùng xa.</a:t>
+            </a:r>
+          </a:p>
+          <a:p>
+            <a:pPr lvl="0"/>
+            <a:endParaRPr lang="vi-VN"/>
+          </a:p>
+        </p:txBody>
+      </p:sp>
+    </p:spTree>
+    <p:extLst>
+      <p:ext uri="{BB962C8B-B14F-4D97-AF65-F5344CB8AC3E}">
+        <p14:creationId xmlns:p14="http://schemas.microsoft.com/office/powerpoint/2010/main" val="1242010612"/>
+      </p:ext>
+    </p:extLst>
+  </p:cSld>
+  <p:clrMapOvr>
+    <a:masterClrMapping/>
+  </p:clrMapOvr>
+  <mc:AlternateContent xmlns:mc="http://schemas.openxmlformats.org/markup-compatibility/2006">
+    <mc:Choice xmlns:p159="http://schemas.microsoft.com/office/powerpoint/2015/09/main" Requires="p159">
+      <p:transition xmlns:p14="http://schemas.microsoft.com/office/powerpoint/2010/main" spd="slow" p14:dur="2000">
+        <p159:morph option="byObject"/>
+      </p:transition>
+    </mc:Choice>
+    <mc:Fallback>
+      <p:transition spd="slow">
+        <p:fade/>
+      </p:transition>
+    </mc:Fallback>
+  </mc:AlternateContent>
+</p:sld>
+</file>
+
+<file path=ppt/slides/slide12.xml><?xml version="1.0" encoding="utf-8"?>
 <p:sld xmlns:a="http://schemas.openxmlformats.org/drawingml/2006/main" xmlns:r="http://schemas.openxmlformats.org/officeDocument/2006/relationships" xmlns:p="http://schemas.openxmlformats.org/presentationml/2006/main">
   <p:cSld>
     <p:spTree>
@@ -16124,6 +16439,7 @@
                 <a:solidFill>
                   <a:schemeClr val="dk1"/>
                 </a:solidFill>
+                <a:latin typeface="Lexend" panose="020B0604020202020204" charset="0"/>
               </a:rPr>
               <a:t>Hướng phát triển:</a:t>
             </a:r>
@@ -16135,6 +16451,7 @@
                 <a:solidFill>
                   <a:srgbClr val="3B406B"/>
                 </a:solidFill>
+                <a:latin typeface="Lexend" panose="020B0604020202020204" charset="0"/>
               </a:rPr>
               <a:t>Không cần gộp các lớp COVID, Lung_Opacity và Viral Pneumonia thành Abnormal mà thực hiện phân loại đa lớp.</a:t>
             </a:r>
@@ -16146,6 +16463,7 @@
                 <a:solidFill>
                   <a:srgbClr val="3B406B"/>
                 </a:solidFill>
+                <a:latin typeface="Lexend" panose="020B0604020202020204" charset="0"/>
               </a:rPr>
               <a:t>Thử nghiệm với các kiến trúc mạng sâu hơn như ResNet, VGG hoặc Vision Transformer (ViT) để nâng độ chính xác lên trên 95% đối với các ca bệnh khó.</a:t>
             </a:r>
@@ -16157,6 +16475,7 @@
                 <a:solidFill>
                   <a:srgbClr val="3B406B"/>
                 </a:solidFill>
+                <a:latin typeface="Lexend" panose="020B0604020202020204" charset="0"/>
               </a:rPr>
               <a:t>Phát triển ứng dụng Web hoặc Mobile cho phép người dùng tải ảnh X-quang lên và nhận kết quả chẩn đoán sơ bộ ngay lập tức.</a:t>
             </a:r>
@@ -16177,175 +16496,18 @@
   <p:clrMapOvr>
     <a:masterClrMapping/>
   </p:clrMapOvr>
-</p:sld>
-</file>
-
-<file path=ppt/slides/slide12.xml><?xml version="1.0" encoding="utf-8"?>
-<p:sld xmlns:a="http://schemas.openxmlformats.org/drawingml/2006/main" xmlns:r="http://schemas.openxmlformats.org/officeDocument/2006/relationships" xmlns:p="http://schemas.openxmlformats.org/presentationml/2006/main">
-  <p:cSld>
-    <p:spTree>
-      <p:nvGrpSpPr>
-        <p:cNvPr id="1" name="Shape 262">
-          <a:extLst>
-            <a:ext uri="{FF2B5EF4-FFF2-40B4-BE49-F238E27FC236}">
-              <a16:creationId xmlns:a16="http://schemas.microsoft.com/office/drawing/2014/main" id="{A487373A-A113-197F-3189-A642C9B338D9}"/>
-            </a:ext>
-          </a:extLst>
-        </p:cNvPr>
-        <p:cNvGrpSpPr/>
-        <p:nvPr/>
-      </p:nvGrpSpPr>
-      <p:grpSpPr>
-        <a:xfrm>
-          <a:off x="0" y="0"/>
-          <a:ext cx="0" cy="0"/>
-          <a:chOff x="0" y="0"/>
-          <a:chExt cx="0" cy="0"/>
-        </a:xfrm>
-      </p:grpSpPr>
-      <p:sp>
-        <p:nvSpPr>
-          <p:cNvPr id="264" name="Google Shape;264;p31">
-            <a:extLst>
-              <a:ext uri="{FF2B5EF4-FFF2-40B4-BE49-F238E27FC236}">
-                <a16:creationId xmlns:a16="http://schemas.microsoft.com/office/drawing/2014/main" id="{A7E1E19E-09F0-B6E6-51D6-939E525912E7}"/>
-              </a:ext>
-            </a:extLst>
-          </p:cNvPr>
-          <p:cNvSpPr txBox="1">
-            <a:spLocks noGrp="1"/>
-          </p:cNvSpPr>
-          <p:nvPr>
-            <p:ph type="title"/>
-          </p:nvPr>
-        </p:nvSpPr>
-        <p:spPr>
-          <a:xfrm>
-            <a:off x="674928" y="438729"/>
-            <a:ext cx="5838605" cy="1087200"/>
-          </a:xfrm>
-          <a:prstGeom prst="rect">
-            <a:avLst/>
-          </a:prstGeom>
-        </p:spPr>
-        <p:txBody>
-          <a:bodyPr spcFirstLastPara="1" wrap="square" lIns="91425" tIns="91425" rIns="91425" bIns="91425" anchor="t" anchorCtr="0">
-            <a:noAutofit/>
-          </a:bodyPr>
-          <a:lstStyle/>
-          <a:p>
-            <a:pPr lvl="0"/>
-            <a:r>
-              <a:rPr lang="vi-VN"/>
-              <a:t>Kết luận và hướng phát triển</a:t>
-            </a:r>
-            <a:endParaRPr/>
-          </a:p>
-        </p:txBody>
-      </p:sp>
-      <p:sp>
-        <p:nvSpPr>
-          <p:cNvPr id="265" name="Google Shape;265;p31">
-            <a:extLst>
-              <a:ext uri="{FF2B5EF4-FFF2-40B4-BE49-F238E27FC236}">
-                <a16:creationId xmlns:a16="http://schemas.microsoft.com/office/drawing/2014/main" id="{60C24BFF-C698-55E2-A41C-883FED490DD2}"/>
-              </a:ext>
-            </a:extLst>
-          </p:cNvPr>
-          <p:cNvSpPr txBox="1">
-            <a:spLocks noGrp="1"/>
-          </p:cNvSpPr>
-          <p:nvPr>
-            <p:ph type="body" idx="1"/>
-          </p:nvPr>
-        </p:nvSpPr>
-        <p:spPr>
-          <a:xfrm>
-            <a:off x="925450" y="1525929"/>
-            <a:ext cx="7441936" cy="2398800"/>
-          </a:xfrm>
-          <a:prstGeom prst="rect">
-            <a:avLst/>
-          </a:prstGeom>
-        </p:spPr>
-        <p:txBody>
-          <a:bodyPr spcFirstLastPara="1" wrap="square" lIns="91425" tIns="91425" rIns="91425" bIns="91425" anchor="t" anchorCtr="0">
-            <a:noAutofit/>
-          </a:bodyPr>
-          <a:lstStyle/>
-          <a:p>
-            <a:pPr marL="0" lvl="0" indent="0">
-              <a:buNone/>
-            </a:pPr>
-            <a:r>
-              <a:rPr lang="vi-VN" sz="1600" b="1">
-                <a:solidFill>
-                  <a:schemeClr val="dk1"/>
-                </a:solidFill>
-              </a:rPr>
-              <a:t>Kết luận:</a:t>
-            </a:r>
-          </a:p>
-          <a:p>
-            <a:pPr lvl="0" indent="172800"/>
-            <a:r>
-              <a:rPr lang="vi-VN">
-                <a:solidFill>
-                  <a:srgbClr val="3B406B"/>
-                </a:solidFill>
-              </a:rPr>
-              <a:t>Triển khai thành công LeNet-5 và phiên bản cải tiến tích hợp các kỹ thuật hiện đại như Batch Normalization, Dropout và hàm kích hoạt ReLU.</a:t>
-            </a:r>
-          </a:p>
-          <a:p>
-            <a:pPr indent="172800"/>
-            <a:r>
-              <a:rPr lang="vi-VN">
-                <a:solidFill>
-                  <a:srgbClr val="3B406B"/>
-                </a:solidFill>
-              </a:rPr>
-              <a:t>Mô hình cải tiến cho thấy sự vượt trội về tốc độ hội tụ, đạt độ chính xác trên 85% chỉ sau 3 epoch, nhanh hơn gấp 3 lần so với mô hình gốc.</a:t>
-            </a:r>
-          </a:p>
-          <a:p>
-            <a:pPr indent="172800"/>
-            <a:r>
-              <a:rPr lang="vi-VN">
-                <a:solidFill>
-                  <a:srgbClr val="3B406B"/>
-                </a:solidFill>
-              </a:rPr>
-              <a:t>Mô hình cải tiến đạt các chỉ số cao với Accuracy (87.97%), Precision (88.22%) và F1-Score (87.91%). Đặc biệt là khả năng phát hiện bệnh được cải thiện rõ rệt khi số ca bỏ sót bệnh (False Negative) giảm từ 204 xuống còn 134 ca.</a:t>
-            </a:r>
-          </a:p>
-          <a:p>
-            <a:pPr indent="172800"/>
-            <a:r>
-              <a:rPr lang="vi-VN">
-                <a:solidFill>
-                  <a:srgbClr val="3B406B"/>
-                </a:solidFill>
-              </a:rPr>
-              <a:t>Với dung lượng mô hình cực nhẹ (0.40 MB) và khả năng vận hành ổn định trên CPU, giải pháp này hoàn toàn khả thi để triển khai trên các thiết bị có cấu hình thấp tại các cơ sở y tế lưu động hoặc vùng sâu vùng xa.</a:t>
-            </a:r>
-          </a:p>
-          <a:p>
-            <a:pPr lvl="0"/>
-            <a:endParaRPr lang="vi-VN"/>
-          </a:p>
-        </p:txBody>
-      </p:sp>
-    </p:spTree>
-    <p:extLst>
-      <p:ext uri="{BB962C8B-B14F-4D97-AF65-F5344CB8AC3E}">
-        <p14:creationId xmlns:p14="http://schemas.microsoft.com/office/powerpoint/2010/main" val="1242010612"/>
-      </p:ext>
-    </p:extLst>
-  </p:cSld>
-  <p:clrMapOvr>
-    <a:masterClrMapping/>
-  </p:clrMapOvr>
+  <mc:AlternateContent xmlns:mc="http://schemas.openxmlformats.org/markup-compatibility/2006">
+    <mc:Choice xmlns:p159="http://schemas.microsoft.com/office/powerpoint/2015/09/main" Requires="p159">
+      <p:transition xmlns:p14="http://schemas.microsoft.com/office/powerpoint/2010/main" spd="slow" p14:dur="2000">
+        <p159:morph option="byObject"/>
+      </p:transition>
+    </mc:Choice>
+    <mc:Fallback>
+      <p:transition spd="slow">
+        <p:fade/>
+      </p:transition>
+    </mc:Fallback>
+  </mc:AlternateContent>
 </p:sld>
 </file>
 
@@ -16406,7 +16568,7 @@
             <a:pPr lvl="0"/>
             <a:r>
               <a:rPr lang="vi-VN" sz="3000"/>
-              <a:t>CẢM ƠN THẦY CÔ ĐÃ XEM</a:t>
+              <a:t>CẢM ƠN THẦY ĐÃ XEM</a:t>
             </a:r>
             <a:endParaRPr sz="3000" b="1"/>
           </a:p>
@@ -21585,6 +21747,18 @@
   <p:clrMapOvr>
     <a:masterClrMapping/>
   </p:clrMapOvr>
+  <mc:AlternateContent xmlns:mc="http://schemas.openxmlformats.org/markup-compatibility/2006">
+    <mc:Choice xmlns:p159="http://schemas.microsoft.com/office/powerpoint/2015/09/main" Requires="p159">
+      <p:transition xmlns:p14="http://schemas.microsoft.com/office/powerpoint/2010/main" spd="slow" p14:dur="2000">
+        <p159:morph option="byObject"/>
+      </p:transition>
+    </mc:Choice>
+    <mc:Fallback>
+      <p:transition spd="slow">
+        <p:fade/>
+      </p:transition>
+    </mc:Fallback>
+  </mc:AlternateContent>
 </p:sld>
 </file>
 
@@ -22156,6 +22330,18 @@
   <p:clrMapOvr>
     <a:masterClrMapping/>
   </p:clrMapOvr>
+  <mc:AlternateContent xmlns:mc="http://schemas.openxmlformats.org/markup-compatibility/2006">
+    <mc:Choice xmlns:p159="http://schemas.microsoft.com/office/powerpoint/2015/09/main" Requires="p159">
+      <p:transition xmlns:p14="http://schemas.microsoft.com/office/powerpoint/2010/main" spd="slow" p14:dur="2000">
+        <p159:morph option="byObject"/>
+      </p:transition>
+    </mc:Choice>
+    <mc:Fallback>
+      <p:transition spd="slow">
+        <p:fade/>
+      </p:transition>
+    </mc:Fallback>
+  </mc:AlternateContent>
 </p:sld>
 </file>
 
@@ -22265,7 +22451,7 @@
         <p:spPr>
           <a:xfrm>
             <a:off x="925450" y="1525929"/>
-            <a:ext cx="3513300" cy="2398800"/>
+            <a:ext cx="3513300" cy="2483940"/>
           </a:xfrm>
           <a:prstGeom prst="rect">
             <a:avLst/>
@@ -22285,10 +22471,11 @@
               <a:t>     </a:t>
             </a:r>
             <a:r>
-              <a:rPr lang="vi-VN" sz="1600">
+              <a:rPr lang="vi-VN" sz="1400">
                 <a:solidFill>
                   <a:srgbClr val="3B406B"/>
                 </a:solidFill>
+                <a:latin typeface="Lexend" panose="020B0604020202020204" charset="0"/>
               </a:rPr>
               <a:t>Chụp X-quang ngực là phương pháp chẩn đoán hình ảnh cho phổi phổ biến, nhưng khối lượng ảnh chẩn đoán khổng lồ tại các bệnh viện, áp lực thời gian có thể dẫn đến bỏ sót hoặc chậm trễ trong chẩn đoán, đặc biệt ở những nơi thiếu nhân lực chuyên môn cao.</a:t>
             </a:r>
@@ -22297,10 +22484,11 @@
             <a:pPr marL="0" lvl="0" indent="0" algn="just">
               <a:buNone/>
             </a:pPr>
-            <a:endParaRPr lang="vi-VN" sz="1600">
+            <a:endParaRPr lang="vi-VN" sz="1400">
               <a:solidFill>
                 <a:srgbClr val="3B406B"/>
               </a:solidFill>
+              <a:latin typeface="Lexend" panose="020B0604020202020204" charset="0"/>
             </a:endParaRPr>
           </a:p>
           <a:p>
@@ -22308,10 +22496,11 @@
               <a:buNone/>
             </a:pPr>
             <a:r>
-              <a:rPr lang="vi-VN" sz="1600">
+              <a:rPr lang="vi-VN" sz="1400">
                 <a:solidFill>
                   <a:srgbClr val="3B406B"/>
                 </a:solidFill>
+                <a:latin typeface="Lexend" panose="020B0604020202020204" charset="0"/>
               </a:rPr>
               <a:t>     Do đó, việc nghiên cứu và phát triển các mô hình học máy có khả năng hỗ trợ phát hiện tự động các dấu hiệu bất thường trên ảnh X-quang phổi có ý nghĩa thực tiễn quan trọng. </a:t>
             </a:r>
@@ -22362,6 +22551,18 @@
   <p:clrMapOvr>
     <a:masterClrMapping/>
   </p:clrMapOvr>
+  <mc:AlternateContent xmlns:mc="http://schemas.openxmlformats.org/markup-compatibility/2006">
+    <mc:Choice xmlns:p159="http://schemas.microsoft.com/office/powerpoint/2015/09/main" Requires="p159">
+      <p:transition xmlns:p14="http://schemas.microsoft.com/office/powerpoint/2010/main" spd="slow" p14:dur="2000">
+        <p159:morph option="byObject"/>
+      </p:transition>
+    </mc:Choice>
+    <mc:Fallback>
+      <p:transition spd="slow">
+        <p:fade/>
+      </p:transition>
+    </mc:Fallback>
+  </mc:AlternateContent>
 </p:sld>
 </file>
 
@@ -22458,6 +22659,7 @@
                 <a:solidFill>
                   <a:srgbClr val="3B406B"/>
                 </a:solidFill>
+                <a:latin typeface="Lexend" panose="020B0604020202020204" charset="0"/>
               </a:rPr>
               <a:t>Gồm 2 lớp tích chập, 2 lớp lấy mẫu và các lớp kết nối đầy đủ.</a:t>
             </a:r>
@@ -22472,6 +22674,7 @@
                 <a:solidFill>
                   <a:srgbClr val="3B406B"/>
                 </a:solidFill>
+                <a:latin typeface="Lexend" panose="020B0604020202020204" charset="0"/>
               </a:rPr>
               <a:t>Mặc dù kiến trúc gốc sử dụng kết nối một phần để giảm tham số, nhưng trong thực nghiệm này, lớp C3 được thiết lập kết nối đầy đủ nhằm tối ưu hóa tính toán trên CPU, đồng thời giúp mô hình học được nhiều tổ hợp đặc trưng hơn từ lớp S2.</a:t>
             </a:r>
@@ -22486,6 +22689,7 @@
                 <a:solidFill>
                   <a:srgbClr val="3B406B"/>
                 </a:solidFill>
+                <a:latin typeface="Lexend" panose="020B0604020202020204" charset="0"/>
               </a:rPr>
               <a:t>Để phù hợp với thư viện PyTorch và bài toán phân loại nhị phân, lớp đầu ra RBF của kiến trúc gốc được thay thế bằng lớp Linear tương đương, nhưng vẫn giữ nguyên số lượng nơ-ron và các tham số đặc trưng của lớp F6. </a:t>
             </a:r>
@@ -22581,6 +22785,18 @@
   <p:clrMapOvr>
     <a:masterClrMapping/>
   </p:clrMapOvr>
+  <mc:AlternateContent xmlns:mc="http://schemas.openxmlformats.org/markup-compatibility/2006">
+    <mc:Choice xmlns:p159="http://schemas.microsoft.com/office/powerpoint/2015/09/main" Requires="p159">
+      <p:transition xmlns:p14="http://schemas.microsoft.com/office/powerpoint/2010/main" spd="slow" p14:dur="2000">
+        <p159:morph option="byObject"/>
+      </p:transition>
+    </mc:Choice>
+    <mc:Fallback>
+      <p:transition spd="slow">
+        <p:fade/>
+      </p:transition>
+    </mc:Fallback>
+  </mc:AlternateContent>
 </p:sld>
 </file>
 
@@ -22691,7 +22907,9 @@
               <a:buChar char="•"/>
             </a:pPr>
             <a:r>
-              <a:rPr lang="vi-VN"/>
+              <a:rPr lang="vi-VN">
+                <a:latin typeface="Lexend" panose="020B0604020202020204" charset="0"/>
+              </a:rPr>
               <a:t>Dùng Batch Normalization sau mỗi lớp tích chập nhằm giúp mô hình hội tụ nhanh hơn, giảm overfitting.</a:t>
             </a:r>
           </a:p>
@@ -22701,7 +22919,9 @@
               <a:buChar char="•"/>
             </a:pPr>
             <a:r>
-              <a:rPr lang="vi-VN"/>
+              <a:rPr lang="vi-VN">
+                <a:latin typeface="Lexend" panose="020B0604020202020204" charset="0"/>
+              </a:rPr>
               <a:t>Thay hàm kích hoạt Tanh bằng ReLU tránh triệt tiêu gradient, học nhanh hơn.</a:t>
             </a:r>
           </a:p>
@@ -22711,7 +22931,9 @@
               <a:buChar char="•"/>
             </a:pPr>
             <a:r>
-              <a:rPr lang="vi-VN"/>
+              <a:rPr lang="vi-VN">
+                <a:latin typeface="Lexend" panose="020B0604020202020204" charset="0"/>
+              </a:rPr>
               <a:t>Thay Average Pooling bằng Max Pooling giúp mô hình tập trung vào các đặc trưng có cường độ mạnh nhất và tăng tốc độ hội tụ.</a:t>
             </a:r>
           </a:p>
@@ -22721,7 +22943,9 @@
               <a:buChar char="•"/>
             </a:pPr>
             <a:r>
-              <a:rPr lang="vi-VN"/>
+              <a:rPr lang="vi-VN">
+                <a:latin typeface="Lexend" panose="020B0604020202020204" charset="0"/>
+              </a:rPr>
               <a:t>Thêm Dropout sau lớp Linear đầu tiên chống overfitting.</a:t>
             </a:r>
           </a:p>
@@ -22827,6 +23051,18 @@
   <p:clrMapOvr>
     <a:masterClrMapping/>
   </p:clrMapOvr>
+  <mc:AlternateContent xmlns:mc="http://schemas.openxmlformats.org/markup-compatibility/2006">
+    <mc:Choice xmlns:p159="http://schemas.microsoft.com/office/powerpoint/2015/09/main" Requires="p159">
+      <p:transition xmlns:p14="http://schemas.microsoft.com/office/powerpoint/2010/main" spd="slow" p14:dur="2000">
+        <p159:morph option="byObject"/>
+      </p:transition>
+    </mc:Choice>
+    <mc:Fallback>
+      <p:transition spd="slow">
+        <p:fade/>
+      </p:transition>
+    </mc:Fallback>
+  </mc:AlternateContent>
 </p:sld>
 </file>
 
@@ -23190,6 +23426,18 @@
   <p:clrMapOvr>
     <a:masterClrMapping/>
   </p:clrMapOvr>
+  <mc:AlternateContent xmlns:mc="http://schemas.openxmlformats.org/markup-compatibility/2006">
+    <mc:Choice xmlns:p159="http://schemas.microsoft.com/office/powerpoint/2015/09/main" Requires="p159">
+      <p:transition xmlns:p14="http://schemas.microsoft.com/office/powerpoint/2010/main" spd="slow" p14:dur="2000">
+        <p159:morph option="byObject"/>
+      </p:transition>
+    </mc:Choice>
+    <mc:Fallback>
+      <p:transition spd="slow">
+        <p:fade/>
+      </p:transition>
+    </mc:Fallback>
+  </mc:AlternateContent>
 </p:sld>
 </file>
 
@@ -23398,6 +23646,18 @@
   <p:clrMapOvr>
     <a:masterClrMapping/>
   </p:clrMapOvr>
+  <mc:AlternateContent xmlns:mc="http://schemas.openxmlformats.org/markup-compatibility/2006">
+    <mc:Choice xmlns:p159="http://schemas.microsoft.com/office/powerpoint/2015/09/main" Requires="p159">
+      <p:transition xmlns:p14="http://schemas.microsoft.com/office/powerpoint/2010/main" spd="slow" p14:dur="2000">
+        <p159:morph option="byObject"/>
+      </p:transition>
+    </mc:Choice>
+    <mc:Fallback>
+      <p:transition spd="slow">
+        <p:fade/>
+      </p:transition>
+    </mc:Fallback>
+  </mc:AlternateContent>
 </p:sld>
 </file>
 
@@ -23476,7 +23736,13 @@
           <p:cNvGraphicFramePr>
             <a:graphicFrameLocks noGrp="1"/>
           </p:cNvGraphicFramePr>
-          <p:nvPr/>
+          <p:nvPr>
+            <p:extLst>
+              <p:ext uri="{D42A27DB-BD31-4B8C-83A1-F6EECF244321}">
+                <p14:modId xmlns:p14="http://schemas.microsoft.com/office/powerpoint/2010/main" val="3383785321"/>
+              </p:ext>
+            </p:extLst>
+          </p:nvPr>
         </p:nvGraphicFramePr>
         <p:xfrm>
           <a:off x="760937" y="1525929"/>
@@ -24030,7 +24296,7 @@
                           <a:solidFill>
                             <a:schemeClr val="dk1"/>
                           </a:solidFill>
-                          <a:latin typeface="Catamaran"/>
+                          <a:latin typeface="Lexend" panose="020B0604020202020204" charset="0"/>
                           <a:ea typeface="Catamaran"/>
                           <a:cs typeface="Catamaran"/>
                           <a:sym typeface="Catamaran"/>
@@ -24042,7 +24308,7 @@
                           <a:solidFill>
                             <a:schemeClr val="dk1"/>
                           </a:solidFill>
-                          <a:latin typeface="Catamaran"/>
+                          <a:latin typeface="Lexend" panose="020B0604020202020204" charset="0"/>
                           <a:ea typeface="Catamaran"/>
                           <a:cs typeface="Catamaran"/>
                           <a:sym typeface="Catamaran"/>
@@ -24053,7 +24319,7 @@
                         <a:solidFill>
                           <a:schemeClr val="dk1"/>
                         </a:solidFill>
-                        <a:latin typeface="Catamaran"/>
+                        <a:latin typeface="Lexend" panose="020B0604020202020204" charset="0"/>
                         <a:ea typeface="Catamaran"/>
                         <a:cs typeface="Catamaran"/>
                         <a:sym typeface="Catamaran"/>
@@ -24121,7 +24387,7 @@
                           <a:solidFill>
                             <a:schemeClr val="dk1"/>
                           </a:solidFill>
-                          <a:latin typeface="Catamaran"/>
+                          <a:latin typeface="Lexend" panose="020B0604020202020204" charset="0"/>
                           <a:ea typeface="Catamaran"/>
                           <a:cs typeface="Catamaran"/>
                           <a:sym typeface="Catamaran"/>
@@ -24191,7 +24457,7 @@
                           <a:solidFill>
                             <a:schemeClr val="dk1"/>
                           </a:solidFill>
-                          <a:latin typeface="Catamaran"/>
+                          <a:latin typeface="Lexend" panose="020B0604020202020204" charset="0"/>
                           <a:ea typeface="Catamaran"/>
                           <a:cs typeface="Catamaran"/>
                           <a:sym typeface="Catamaran"/>
@@ -24261,7 +24527,7 @@
                           <a:solidFill>
                             <a:schemeClr val="dk1"/>
                           </a:solidFill>
-                          <a:latin typeface="Catamaran"/>
+                          <a:latin typeface="Lexend" panose="020B0604020202020204" charset="0"/>
                           <a:ea typeface="Catamaran"/>
                           <a:cs typeface="Catamaran"/>
                           <a:sym typeface="Catamaran"/>
@@ -24417,7 +24683,7 @@
                           <a:solidFill>
                             <a:schemeClr val="dk1"/>
                           </a:solidFill>
-                          <a:latin typeface="Catamaran"/>
+                          <a:latin typeface="Lexend" panose="020B0604020202020204" charset="0"/>
                           <a:ea typeface="Catamaran"/>
                           <a:cs typeface="Catamaran"/>
                           <a:sym typeface="Catamaran"/>
@@ -24429,7 +24695,7 @@
                           <a:solidFill>
                             <a:schemeClr val="dk1"/>
                           </a:solidFill>
-                          <a:latin typeface="Catamaran"/>
+                          <a:latin typeface="Lexend" panose="020B0604020202020204" charset="0"/>
                           <a:ea typeface="Catamaran"/>
                           <a:cs typeface="Catamaran"/>
                           <a:sym typeface="Catamaran"/>
@@ -24440,7 +24706,7 @@
                         <a:solidFill>
                           <a:schemeClr val="dk1"/>
                         </a:solidFill>
-                        <a:latin typeface="Catamaran"/>
+                        <a:latin typeface="Lexend" panose="020B0604020202020204" charset="0"/>
                         <a:ea typeface="Catamaran"/>
                         <a:cs typeface="Catamaran"/>
                         <a:sym typeface="Catamaran"/>
@@ -24508,7 +24774,7 @@
                           <a:solidFill>
                             <a:schemeClr val="dk1"/>
                           </a:solidFill>
-                          <a:latin typeface="Catamaran"/>
+                          <a:latin typeface="Lexend" panose="020B0604020202020204" charset="0"/>
                           <a:ea typeface="Catamaran"/>
                           <a:cs typeface="Catamaran"/>
                           <a:sym typeface="Catamaran"/>
@@ -24578,7 +24844,7 @@
                           <a:solidFill>
                             <a:schemeClr val="dk1"/>
                           </a:solidFill>
-                          <a:latin typeface="Catamaran"/>
+                          <a:latin typeface="Lexend" panose="020B0604020202020204" charset="0"/>
                           <a:ea typeface="Catamaran"/>
                           <a:cs typeface="Catamaran"/>
                           <a:sym typeface="Catamaran"/>
@@ -24648,7 +24914,7 @@
                           <a:solidFill>
                             <a:schemeClr val="dk1"/>
                           </a:solidFill>
-                          <a:latin typeface="Catamaran"/>
+                          <a:latin typeface="Lexend" panose="020B0604020202020204" charset="0"/>
                           <a:ea typeface="Catamaran"/>
                           <a:cs typeface="Catamaran"/>
                           <a:sym typeface="Catamaran"/>
@@ -24806,6 +25072,18 @@
   <p:clrMapOvr>
     <a:masterClrMapping/>
   </p:clrMapOvr>
+  <mc:AlternateContent xmlns:mc="http://schemas.openxmlformats.org/markup-compatibility/2006">
+    <mc:Choice xmlns:p159="http://schemas.microsoft.com/office/powerpoint/2015/09/main" Requires="p159">
+      <p:transition xmlns:p14="http://schemas.microsoft.com/office/powerpoint/2010/main" spd="slow" p14:dur="2000">
+        <p159:morph option="byObject"/>
+      </p:transition>
+    </mc:Choice>
+    <mc:Fallback>
+      <p:transition spd="slow">
+        <p:fade/>
+      </p:transition>
+    </mc:Fallback>
+  </mc:AlternateContent>
 </p:sld>
 </file>
 
@@ -25306,6 +25584,18 @@
   <p:clrMapOvr>
     <a:masterClrMapping/>
   </p:clrMapOvr>
+  <mc:AlternateContent xmlns:mc="http://schemas.openxmlformats.org/markup-compatibility/2006">
+    <mc:Choice xmlns:p159="http://schemas.microsoft.com/office/powerpoint/2015/09/main" Requires="p159">
+      <p:transition xmlns:p14="http://schemas.microsoft.com/office/powerpoint/2010/main" spd="slow" p14:dur="2000">
+        <p159:morph option="byObject"/>
+      </p:transition>
+    </mc:Choice>
+    <mc:Fallback>
+      <p:transition spd="slow">
+        <p:fade/>
+      </p:transition>
+    </mc:Fallback>
+  </mc:AlternateContent>
 </p:sld>
 </file>
 
